--- a/Referencing/Referencing.pptx
+++ b/Referencing/Referencing.pptx
@@ -9,10 +9,11 @@
     <p:sldId id="269" r:id="rId3"/>
     <p:sldId id="259" r:id="rId4"/>
     <p:sldId id="266" r:id="rId5"/>
-    <p:sldId id="260" r:id="rId6"/>
-    <p:sldId id="270" r:id="rId7"/>
-    <p:sldId id="264" r:id="rId8"/>
-    <p:sldId id="265" r:id="rId9"/>
+    <p:sldId id="271" r:id="rId6"/>
+    <p:sldId id="260" r:id="rId7"/>
+    <p:sldId id="272" r:id="rId8"/>
+    <p:sldId id="264" r:id="rId9"/>
+    <p:sldId id="265" r:id="rId10"/>
   </p:sldIdLst>
   <p:sldSz cx="12192000" cy="6858000"/>
   <p:notesSz cx="6858000" cy="9144000"/>
@@ -113,7 +114,7 @@
   </p:defaultTextStyle>
   <p:extLst>
     <p:ext uri="{EFAFB233-063F-42B5-8137-9DF3F51BA10A}">
-      <p15:sldGuideLst xmlns="" xmlns:p15="http://schemas.microsoft.com/office/powerpoint/2012/main">
+      <p15:sldGuideLst xmlns:p15="http://schemas.microsoft.com/office/powerpoint/2012/main">
         <p15:guide id="1" orient="horz" pos="2160">
           <p15:clr>
             <a:srgbClr val="A4A3A4"/>
@@ -852,7 +853,7 @@
           <a:p>
             <a:fld id="{252F7152-2E34-4CF8-96E1-9C0B6BE1AFF1}" type="datetimeFigureOut">
               <a:rPr lang="ru-RU" smtClean="0"/>
-              <a:t>26.04.2015</a:t>
+              <a:t>27.04.2015</a:t>
             </a:fld>
             <a:endParaRPr lang="ru-RU"/>
           </a:p>
@@ -1103,7 +1104,7 @@
           <a:p>
             <a:fld id="{252F7152-2E34-4CF8-96E1-9C0B6BE1AFF1}" type="datetimeFigureOut">
               <a:rPr lang="ru-RU" smtClean="0"/>
-              <a:t>26.04.2015</a:t>
+              <a:t>27.04.2015</a:t>
             </a:fld>
             <a:endParaRPr lang="ru-RU"/>
           </a:p>
@@ -1417,7 +1418,7 @@
           <a:p>
             <a:fld id="{252F7152-2E34-4CF8-96E1-9C0B6BE1AFF1}" type="datetimeFigureOut">
               <a:rPr lang="ru-RU" smtClean="0"/>
-              <a:t>26.04.2015</a:t>
+              <a:t>27.04.2015</a:t>
             </a:fld>
             <a:endParaRPr lang="ru-RU"/>
           </a:p>
@@ -1758,7 +1759,7 @@
           <a:p>
             <a:fld id="{252F7152-2E34-4CF8-96E1-9C0B6BE1AFF1}" type="datetimeFigureOut">
               <a:rPr lang="ru-RU" smtClean="0"/>
-              <a:t>26.04.2015</a:t>
+              <a:t>27.04.2015</a:t>
             </a:fld>
             <a:endParaRPr lang="ru-RU"/>
           </a:p>
@@ -2072,7 +2073,7 @@
           <a:p>
             <a:fld id="{252F7152-2E34-4CF8-96E1-9C0B6BE1AFF1}" type="datetimeFigureOut">
               <a:rPr lang="ru-RU" smtClean="0"/>
-              <a:t>26.04.2015</a:t>
+              <a:t>27.04.2015</a:t>
             </a:fld>
             <a:endParaRPr lang="ru-RU"/>
           </a:p>
@@ -2465,7 +2466,7 @@
           <a:p>
             <a:fld id="{252F7152-2E34-4CF8-96E1-9C0B6BE1AFF1}" type="datetimeFigureOut">
               <a:rPr lang="ru-RU" smtClean="0"/>
-              <a:t>26.04.2015</a:t>
+              <a:t>27.04.2015</a:t>
             </a:fld>
             <a:endParaRPr lang="ru-RU"/>
           </a:p>
@@ -2635,7 +2636,7 @@
           <a:p>
             <a:fld id="{252F7152-2E34-4CF8-96E1-9C0B6BE1AFF1}" type="datetimeFigureOut">
               <a:rPr lang="ru-RU" smtClean="0"/>
-              <a:t>26.04.2015</a:t>
+              <a:t>27.04.2015</a:t>
             </a:fld>
             <a:endParaRPr lang="ru-RU"/>
           </a:p>
@@ -2815,7 +2816,7 @@
           <a:p>
             <a:fld id="{252F7152-2E34-4CF8-96E1-9C0B6BE1AFF1}" type="datetimeFigureOut">
               <a:rPr lang="ru-RU" smtClean="0"/>
-              <a:t>26.04.2015</a:t>
+              <a:t>27.04.2015</a:t>
             </a:fld>
             <a:endParaRPr lang="ru-RU"/>
           </a:p>
@@ -2991,7 +2992,7 @@
           <a:p>
             <a:fld id="{252F7152-2E34-4CF8-96E1-9C0B6BE1AFF1}" type="datetimeFigureOut">
               <a:rPr lang="ru-RU" smtClean="0"/>
-              <a:t>26.04.2015</a:t>
+              <a:t>27.04.2015</a:t>
             </a:fld>
             <a:endParaRPr lang="ru-RU"/>
           </a:p>
@@ -3238,7 +3239,7 @@
           <a:p>
             <a:fld id="{252F7152-2E34-4CF8-96E1-9C0B6BE1AFF1}" type="datetimeFigureOut">
               <a:rPr lang="ru-RU" smtClean="0"/>
-              <a:t>26.04.2015</a:t>
+              <a:t>27.04.2015</a:t>
             </a:fld>
             <a:endParaRPr lang="ru-RU"/>
           </a:p>
@@ -3470,7 +3471,7 @@
           <a:p>
             <a:fld id="{252F7152-2E34-4CF8-96E1-9C0B6BE1AFF1}" type="datetimeFigureOut">
               <a:rPr lang="ru-RU" smtClean="0"/>
-              <a:t>26.04.2015</a:t>
+              <a:t>27.04.2015</a:t>
             </a:fld>
             <a:endParaRPr lang="ru-RU"/>
           </a:p>
@@ -3844,7 +3845,7 @@
           <a:p>
             <a:fld id="{252F7152-2E34-4CF8-96E1-9C0B6BE1AFF1}" type="datetimeFigureOut">
               <a:rPr lang="ru-RU" smtClean="0"/>
-              <a:t>26.04.2015</a:t>
+              <a:t>27.04.2015</a:t>
             </a:fld>
             <a:endParaRPr lang="ru-RU"/>
           </a:p>
@@ -3967,7 +3968,7 @@
           <a:p>
             <a:fld id="{252F7152-2E34-4CF8-96E1-9C0B6BE1AFF1}" type="datetimeFigureOut">
               <a:rPr lang="ru-RU" smtClean="0"/>
-              <a:t>26.04.2015</a:t>
+              <a:t>27.04.2015</a:t>
             </a:fld>
             <a:endParaRPr lang="ru-RU"/>
           </a:p>
@@ -4062,7 +4063,7 @@
           <a:p>
             <a:fld id="{252F7152-2E34-4CF8-96E1-9C0B6BE1AFF1}" type="datetimeFigureOut">
               <a:rPr lang="ru-RU" smtClean="0"/>
-              <a:t>26.04.2015</a:t>
+              <a:t>27.04.2015</a:t>
             </a:fld>
             <a:endParaRPr lang="ru-RU"/>
           </a:p>
@@ -4317,7 +4318,7 @@
           <a:p>
             <a:fld id="{252F7152-2E34-4CF8-96E1-9C0B6BE1AFF1}" type="datetimeFigureOut">
               <a:rPr lang="ru-RU" smtClean="0"/>
-              <a:t>26.04.2015</a:t>
+              <a:t>27.04.2015</a:t>
             </a:fld>
             <a:endParaRPr lang="ru-RU"/>
           </a:p>
@@ -4580,7 +4581,7 @@
           <a:p>
             <a:fld id="{252F7152-2E34-4CF8-96E1-9C0B6BE1AFF1}" type="datetimeFigureOut">
               <a:rPr lang="ru-RU" smtClean="0"/>
-              <a:t>26.04.2015</a:t>
+              <a:t>27.04.2015</a:t>
             </a:fld>
             <a:endParaRPr lang="ru-RU"/>
           </a:p>
@@ -5323,7 +5324,7 @@
           <a:p>
             <a:fld id="{252F7152-2E34-4CF8-96E1-9C0B6BE1AFF1}" type="datetimeFigureOut">
               <a:rPr lang="ru-RU" smtClean="0"/>
-              <a:t>26.04.2015</a:t>
+              <a:t>27.04.2015</a:t>
             </a:fld>
             <a:endParaRPr lang="ru-RU"/>
           </a:p>
@@ -6247,6 +6248,10 @@
               <a:rPr lang="en-US" dirty="0" err="1" smtClean="0"/>
               <a:t>Pelc</a:t>
             </a:r>
+            <a:r>
+              <a:rPr lang="en-US" dirty="0" smtClean="0"/>
+              <a:t> (authors)</a:t>
+            </a:r>
             <a:endParaRPr lang="en-US" i="1" dirty="0"/>
           </a:p>
           <a:p>
@@ -6345,7 +6350,12 @@
             <p:ph idx="1"/>
           </p:nvPr>
         </p:nvSpPr>
-        <p:spPr/>
+        <p:spPr>
+          <a:xfrm>
+            <a:off x="677334" y="2160589"/>
+            <a:ext cx="8596668" cy="1973749"/>
+          </a:xfrm>
+        </p:spPr>
         <p:txBody>
           <a:bodyPr>
             <a:normAutofit/>
@@ -6369,25 +6379,6 @@
               <a:rPr lang="en-US" dirty="0" smtClean="0"/>
               <a:t>Maximum-Likelihood Estimator for binned data</a:t>
             </a:r>
-          </a:p>
-          <a:p>
-            <a:pPr lvl="1"/>
-            <a:r>
-              <a:rPr lang="en-US" sz="1800" dirty="0"/>
-              <a:t>Estimator </a:t>
-            </a:r>
-            <a:r>
-              <a:rPr lang="en-US" sz="1800" dirty="0" smtClean="0"/>
-              <a:t>Performance</a:t>
-            </a:r>
-          </a:p>
-          <a:p>
-            <a:pPr lvl="1"/>
-            <a:r>
-              <a:rPr lang="en-US" sz="1800" dirty="0"/>
-              <a:t>Numerical Example</a:t>
-            </a:r>
-            <a:endParaRPr lang="ru-RU" sz="1800" dirty="0" smtClean="0"/>
           </a:p>
           <a:p>
             <a:r>
@@ -6485,6 +6476,13 @@
   <p:clrMapOvr>
     <a:masterClrMapping/>
   </p:clrMapOvr>
+  <p:timing>
+    <p:tnLst>
+      <p:par>
+        <p:cTn id="1" dur="indefinite" restart="never" nodeType="tmRoot"/>
+      </p:par>
+    </p:tnLst>
+  </p:timing>
 </p:sld>
 </file>
 
@@ -6770,7 +6768,7 @@
         </p:nvSpPr>
         <p:spPr>
           <a:xfrm>
-            <a:off x="634606" y="532688"/>
+            <a:off x="618975" y="524872"/>
             <a:ext cx="8596668" cy="1320800"/>
           </a:xfrm>
         </p:spPr>
@@ -6780,24 +6778,8 @@
           <a:p>
             <a:pPr algn="ctr"/>
             <a:r>
-              <a:rPr lang="en-US" dirty="0"/>
-              <a:t>Low dose Digital Radiographic </a:t>
-            </a:r>
-            <a:r>
               <a:rPr lang="en-US" dirty="0" smtClean="0"/>
-              <a:t>Installation</a:t>
-            </a:r>
-            <a:r>
-              <a:rPr lang="ru-RU" dirty="0" smtClean="0"/>
-              <a:t> (</a:t>
-            </a:r>
-            <a:r>
-              <a:rPr lang="en-US" dirty="0"/>
-              <a:t>Siberia</a:t>
-            </a:r>
-            <a:r>
-              <a:rPr lang="ru-RU" dirty="0" smtClean="0"/>
-              <a:t>)</a:t>
+              <a:t>Model</a:t>
             </a:r>
             <a:endParaRPr lang="ru-RU" dirty="0"/>
           </a:p>
@@ -6805,142 +6787,333 @@
       </p:sp>
       <p:pic>
         <p:nvPicPr>
-          <p:cNvPr id="1026" name="Picture 2" descr="http://www.inp.nsk.su/products/ldrd/images/setting.jpg"/>
+          <p:cNvPr id="4" name="Рисунок 3"/>
           <p:cNvPicPr>
-            <a:picLocks noChangeAspect="1" noChangeArrowheads="1"/>
+            <a:picLocks noChangeAspect="1"/>
           </p:cNvPicPr>
           <p:nvPr/>
         </p:nvPicPr>
         <p:blipFill>
-          <a:blip r:embed="rId2">
-            <a:extLst>
-              <a:ext uri="{28A0092B-C50C-407E-A947-70E740481C1C}">
-                <a14:useLocalDpi xmlns:a14="http://schemas.microsoft.com/office/drawing/2010/main" val="0"/>
-              </a:ext>
-            </a:extLst>
-          </a:blip>
-          <a:srcRect/>
+          <a:blip r:embed="rId2"/>
           <a:stretch>
             <a:fillRect/>
           </a:stretch>
         </p:blipFill>
-        <p:spPr bwMode="auto">
+        <p:spPr>
           <a:xfrm>
-            <a:off x="581889" y="2008262"/>
-            <a:ext cx="4219660" cy="4037636"/>
+            <a:off x="618975" y="3267612"/>
+            <a:ext cx="9039225" cy="2695575"/>
           </a:xfrm>
           <a:prstGeom prst="rect">
             <a:avLst/>
           </a:prstGeom>
-          <a:noFill/>
-          <a:extLst>
-            <a:ext uri="{909E8E84-426E-40DD-AFC4-6F175D3DCCD1}">
-              <a14:hiddenFill xmlns:a14="http://schemas.microsoft.com/office/drawing/2010/main">
-                <a:solidFill>
-                  <a:srgbClr val="FFFFFF"/>
-                </a:solidFill>
-              </a14:hiddenFill>
-            </a:ext>
-          </a:extLst>
         </p:spPr>
       </p:pic>
-      <p:sp>
-        <p:nvSpPr>
-          <p:cNvPr id="5" name="Объект 2"/>
-          <p:cNvSpPr>
-            <a:spLocks noGrp="1"/>
-          </p:cNvSpPr>
-          <p:nvPr>
-            <p:ph idx="1"/>
-          </p:nvPr>
-        </p:nvSpPr>
-        <p:spPr>
-          <a:xfrm>
-            <a:off x="5024926" y="2076629"/>
-            <a:ext cx="4249075" cy="3964734"/>
-          </a:xfrm>
-        </p:spPr>
-        <p:txBody>
-          <a:bodyPr/>
-          <a:lstStyle/>
-          <a:p>
-            <a:r>
-              <a:rPr lang="en-US" dirty="0"/>
-              <a:t>spatial </a:t>
-            </a:r>
-            <a:r>
-              <a:rPr lang="en-US" dirty="0" smtClean="0"/>
-              <a:t>resolution</a:t>
-            </a:r>
-            <a:endParaRPr lang="ru-RU" dirty="0" smtClean="0"/>
-          </a:p>
-          <a:p>
-            <a:r>
-              <a:rPr lang="en-US" dirty="0"/>
-              <a:t>contrast </a:t>
-            </a:r>
-            <a:r>
-              <a:rPr lang="en-US" dirty="0" smtClean="0"/>
-              <a:t>sensitivity</a:t>
-            </a:r>
-            <a:endParaRPr lang="ru-RU" dirty="0" smtClean="0"/>
-          </a:p>
-          <a:p>
-            <a:r>
-              <a:rPr lang="en-US" dirty="0" smtClean="0"/>
-              <a:t>increased speed</a:t>
-            </a:r>
-          </a:p>
-          <a:p>
-            <a:r>
-              <a:rPr lang="en-US" dirty="0"/>
-              <a:t>dynamic range</a:t>
-            </a:r>
-            <a:endParaRPr lang="en-US" dirty="0" smtClean="0"/>
-          </a:p>
-        </p:txBody>
-      </p:sp>
       <p:pic>
         <p:nvPicPr>
-          <p:cNvPr id="1028" name="Picture 4" descr="http://www.inp.nsk.su/products/medicine/images/medals.gif"/>
+          <p:cNvPr id="6" name="Рисунок 5"/>
           <p:cNvPicPr>
-            <a:picLocks noChangeAspect="1" noChangeArrowheads="1"/>
+            <a:picLocks noChangeAspect="1"/>
           </p:cNvPicPr>
           <p:nvPr/>
         </p:nvPicPr>
         <p:blipFill>
-          <a:blip r:embed="rId3">
-            <a:extLst>
-              <a:ext uri="{28A0092B-C50C-407E-A947-70E740481C1C}">
-                <a14:useLocalDpi xmlns:a14="http://schemas.microsoft.com/office/drawing/2010/main" val="0"/>
-              </a:ext>
-            </a:extLst>
-          </a:blip>
-          <a:srcRect/>
+          <a:blip r:embed="rId3"/>
           <a:stretch>
             <a:fillRect/>
           </a:stretch>
         </p:blipFill>
-        <p:spPr bwMode="auto">
+        <p:spPr>
           <a:xfrm>
-            <a:off x="5154865" y="4703139"/>
-            <a:ext cx="3209925" cy="781051"/>
+            <a:off x="716784" y="1446231"/>
+            <a:ext cx="4200525" cy="409575"/>
           </a:xfrm>
           <a:prstGeom prst="rect">
             <a:avLst/>
           </a:prstGeom>
-          <a:noFill/>
-          <a:extLst>
-            <a:ext uri="{909E8E84-426E-40DD-AFC4-6F175D3DCCD1}">
-              <a14:hiddenFill xmlns:a14="http://schemas.microsoft.com/office/drawing/2010/main">
-                <a:solidFill>
-                  <a:srgbClr val="FFFFFF"/>
-                </a:solidFill>
-              </a14:hiddenFill>
-            </a:ext>
-          </a:extLst>
         </p:spPr>
       </p:pic>
+      <p:sp>
+        <p:nvSpPr>
+          <p:cNvPr id="7" name="Прямоугольник 6"/>
+          <p:cNvSpPr/>
+          <p:nvPr/>
+        </p:nvSpPr>
+        <p:spPr>
+          <a:xfrm>
+            <a:off x="716784" y="2767341"/>
+            <a:ext cx="4634602" cy="369332"/>
+          </a:xfrm>
+          <a:prstGeom prst="rect">
+            <a:avLst/>
+          </a:prstGeom>
+        </p:spPr>
+        <p:txBody>
+          <a:bodyPr wrap="none">
+            <a:spAutoFit/>
+          </a:bodyPr>
+          <a:lstStyle/>
+          <a:p>
+            <a:r>
+              <a:rPr lang="en-US" dirty="0">
+                <a:latin typeface="CMR10"/>
+              </a:rPr>
+              <a:t>the expected number of photons of energy </a:t>
+            </a:r>
+            <a:r>
+              <a:rPr lang="en-US" i="1" dirty="0">
+                <a:latin typeface="CMMI10"/>
+              </a:rPr>
+              <a:t>j</a:t>
+            </a:r>
+            <a:endParaRPr lang="ru-RU" dirty="0"/>
+          </a:p>
+        </p:txBody>
+      </p:sp>
+      <p:sp>
+        <p:nvSpPr>
+          <p:cNvPr id="8" name="Стрелка вверх 7"/>
+          <p:cNvSpPr/>
+          <p:nvPr/>
+        </p:nvSpPr>
+        <p:spPr>
+          <a:xfrm rot="19715367" flipH="1">
+            <a:off x="1255012" y="1859085"/>
+            <a:ext cx="115948" cy="939672"/>
+          </a:xfrm>
+          <a:prstGeom prst="upArrow">
+            <a:avLst/>
+          </a:prstGeom>
+        </p:spPr>
+        <p:style>
+          <a:lnRef idx="2">
+            <a:schemeClr val="accent1">
+              <a:shade val="50000"/>
+            </a:schemeClr>
+          </a:lnRef>
+          <a:fillRef idx="1">
+            <a:schemeClr val="accent1"/>
+          </a:fillRef>
+          <a:effectRef idx="0">
+            <a:schemeClr val="accent1"/>
+          </a:effectRef>
+          <a:fontRef idx="minor">
+            <a:schemeClr val="lt1"/>
+          </a:fontRef>
+        </p:style>
+        <p:txBody>
+          <a:bodyPr rtlCol="0" anchor="ctr"/>
+          <a:lstStyle/>
+          <a:p>
+            <a:pPr algn="ctr"/>
+            <a:endParaRPr lang="ru-RU"/>
+          </a:p>
+        </p:txBody>
+      </p:sp>
+      <p:sp>
+        <p:nvSpPr>
+          <p:cNvPr id="9" name="Прямоугольник 8"/>
+          <p:cNvSpPr/>
+          <p:nvPr/>
+        </p:nvSpPr>
+        <p:spPr>
+          <a:xfrm>
+            <a:off x="1727203" y="2195545"/>
+            <a:ext cx="6096000" cy="369332"/>
+          </a:xfrm>
+          <a:prstGeom prst="rect">
+            <a:avLst/>
+          </a:prstGeom>
+        </p:spPr>
+        <p:txBody>
+          <a:bodyPr>
+            <a:spAutoFit/>
+          </a:bodyPr>
+          <a:lstStyle/>
+          <a:p>
+            <a:r>
+              <a:rPr lang="en-US" dirty="0">
+                <a:latin typeface="CMR10"/>
+              </a:rPr>
+              <a:t>the </a:t>
+            </a:r>
+            <a:r>
+              <a:rPr lang="en-US" dirty="0" smtClean="0">
+                <a:latin typeface="CMR10"/>
+              </a:rPr>
+              <a:t>thicknesses of </a:t>
+            </a:r>
+            <a:r>
+              <a:rPr lang="en-US" dirty="0">
+                <a:latin typeface="CMR10"/>
+              </a:rPr>
+              <a:t>material 1 and 2, respectively</a:t>
+            </a:r>
+            <a:endParaRPr lang="ru-RU" dirty="0"/>
+          </a:p>
+        </p:txBody>
+      </p:sp>
+      <p:cxnSp>
+        <p:nvCxnSpPr>
+          <p:cNvPr id="11" name="Прямая со стрелкой 10"/>
+          <p:cNvCxnSpPr/>
+          <p:nvPr/>
+        </p:nvCxnSpPr>
+        <p:spPr>
+          <a:xfrm flipV="1">
+            <a:off x="2938585" y="1845672"/>
+            <a:ext cx="7815" cy="483249"/>
+          </a:xfrm>
+          <a:prstGeom prst="straightConnector1">
+            <a:avLst/>
+          </a:prstGeom>
+          <a:ln>
+            <a:tailEnd type="triangle"/>
+          </a:ln>
+        </p:spPr>
+        <p:style>
+          <a:lnRef idx="1">
+            <a:schemeClr val="accent1"/>
+          </a:lnRef>
+          <a:fillRef idx="0">
+            <a:schemeClr val="accent1"/>
+          </a:fillRef>
+          <a:effectRef idx="0">
+            <a:schemeClr val="accent1"/>
+          </a:effectRef>
+          <a:fontRef idx="minor">
+            <a:schemeClr val="tx1"/>
+          </a:fontRef>
+        </p:style>
+      </p:cxnSp>
+      <p:cxnSp>
+        <p:nvCxnSpPr>
+          <p:cNvPr id="14" name="Прямая со стрелкой 13"/>
+          <p:cNvCxnSpPr/>
+          <p:nvPr/>
+        </p:nvCxnSpPr>
+        <p:spPr>
+          <a:xfrm flipV="1">
+            <a:off x="4041822" y="1793041"/>
+            <a:ext cx="7815" cy="483249"/>
+          </a:xfrm>
+          <a:prstGeom prst="straightConnector1">
+            <a:avLst/>
+          </a:prstGeom>
+          <a:ln>
+            <a:tailEnd type="triangle"/>
+          </a:ln>
+        </p:spPr>
+        <p:style>
+          <a:lnRef idx="1">
+            <a:schemeClr val="accent1"/>
+          </a:lnRef>
+          <a:fillRef idx="0">
+            <a:schemeClr val="accent1"/>
+          </a:fillRef>
+          <a:effectRef idx="0">
+            <a:schemeClr val="accent1"/>
+          </a:effectRef>
+          <a:fontRef idx="minor">
+            <a:schemeClr val="tx1"/>
+          </a:fontRef>
+        </p:style>
+      </p:cxnSp>
+      <p:pic>
+        <p:nvPicPr>
+          <p:cNvPr id="12" name="Рисунок 11"/>
+          <p:cNvPicPr>
+            <a:picLocks noChangeAspect="1"/>
+          </p:cNvPicPr>
+          <p:nvPr/>
+        </p:nvPicPr>
+        <p:blipFill>
+          <a:blip r:embed="rId4"/>
+          <a:stretch>
+            <a:fillRect/>
+          </a:stretch>
+        </p:blipFill>
+        <p:spPr>
+          <a:xfrm>
+            <a:off x="7867167" y="2136252"/>
+            <a:ext cx="2228850" cy="428625"/>
+          </a:xfrm>
+          <a:prstGeom prst="rect">
+            <a:avLst/>
+          </a:prstGeom>
+        </p:spPr>
+      </p:pic>
+      <p:sp>
+        <p:nvSpPr>
+          <p:cNvPr id="13" name="Прямоугольник 12"/>
+          <p:cNvSpPr/>
+          <p:nvPr/>
+        </p:nvSpPr>
+        <p:spPr>
+          <a:xfrm>
+            <a:off x="7135447" y="2648655"/>
+            <a:ext cx="3692290" cy="646331"/>
+          </a:xfrm>
+          <a:prstGeom prst="rect">
+            <a:avLst/>
+          </a:prstGeom>
+        </p:spPr>
+        <p:txBody>
+          <a:bodyPr wrap="square">
+            <a:spAutoFit/>
+          </a:bodyPr>
+          <a:lstStyle/>
+          <a:p>
+            <a:pPr algn="ctr"/>
+            <a:r>
+              <a:rPr lang="en-US" dirty="0">
+                <a:latin typeface="CMR10"/>
+              </a:rPr>
+              <a:t>the number of photons </a:t>
+            </a:r>
+            <a:r>
+              <a:rPr lang="en-US" dirty="0" smtClean="0">
+                <a:latin typeface="CMR10"/>
+              </a:rPr>
+              <a:t>of</a:t>
+            </a:r>
+          </a:p>
+          <a:p>
+            <a:pPr algn="ctr"/>
+            <a:r>
+              <a:rPr lang="en-US" dirty="0" smtClean="0">
+                <a:latin typeface="CMR10"/>
+              </a:rPr>
+              <a:t> </a:t>
+            </a:r>
+            <a:r>
+              <a:rPr lang="en-US" dirty="0">
+                <a:latin typeface="CMR10"/>
+              </a:rPr>
+              <a:t>energy </a:t>
+            </a:r>
+            <a:r>
+              <a:rPr lang="en-US" i="1" dirty="0">
+                <a:latin typeface="CMMI10"/>
+              </a:rPr>
+              <a:t>j </a:t>
+            </a:r>
+            <a:r>
+              <a:rPr lang="en-US" dirty="0" smtClean="0">
+                <a:latin typeface="CMR10"/>
+              </a:rPr>
+              <a:t>that fall </a:t>
+            </a:r>
+            <a:r>
+              <a:rPr lang="en-US" dirty="0">
+                <a:latin typeface="CMR10"/>
+              </a:rPr>
+              <a:t>on the detector</a:t>
+            </a:r>
+            <a:endParaRPr lang="ru-RU" dirty="0"/>
+          </a:p>
+        </p:txBody>
+      </p:sp>
     </p:spTree>
     <p:extLst>
       <p:ext uri="{BB962C8B-B14F-4D97-AF65-F5344CB8AC3E}">
@@ -6995,20 +7168,8 @@
           <a:p>
             <a:pPr algn="ctr"/>
             <a:r>
-              <a:rPr lang="en-US" dirty="0"/>
-              <a:t>X-ray inspection system </a:t>
-            </a:r>
-            <a:r>
               <a:rPr lang="en-US" dirty="0" smtClean="0"/>
-              <a:t>(</a:t>
-            </a:r>
-            <a:r>
-              <a:rPr lang="en-US" dirty="0" err="1"/>
-              <a:t>Sibscan</a:t>
-            </a:r>
-            <a:r>
-              <a:rPr lang="en-US" dirty="0" smtClean="0"/>
-              <a:t>)</a:t>
+              <a:t>Model</a:t>
             </a:r>
             <a:endParaRPr lang="ru-RU" dirty="0"/>
           </a:p>
@@ -7016,131 +7177,330 @@
       </p:sp>
       <p:pic>
         <p:nvPicPr>
-          <p:cNvPr id="2050" name="Picture 2" descr="http://www.inp.nsk.su/products/src/images/setting.jpg"/>
+          <p:cNvPr id="4" name="Рисунок 3"/>
           <p:cNvPicPr>
-            <a:picLocks noChangeAspect="1" noChangeArrowheads="1"/>
+            <a:picLocks noChangeAspect="1"/>
           </p:cNvPicPr>
           <p:nvPr/>
         </p:nvPicPr>
         <p:blipFill>
-          <a:blip r:embed="rId2">
-            <a:extLst>
-              <a:ext uri="{28A0092B-C50C-407E-A947-70E740481C1C}">
-                <a14:useLocalDpi xmlns:a14="http://schemas.microsoft.com/office/drawing/2010/main" val="0"/>
-              </a:ext>
-            </a:extLst>
-          </a:blip>
-          <a:srcRect/>
+          <a:blip r:embed="rId2"/>
           <a:stretch>
             <a:fillRect/>
           </a:stretch>
         </p:blipFill>
-        <p:spPr bwMode="auto">
+        <p:spPr>
           <a:xfrm>
-            <a:off x="463222" y="1533004"/>
-            <a:ext cx="4021166" cy="3056088"/>
+            <a:off x="1395291" y="2815123"/>
+            <a:ext cx="2305050" cy="962025"/>
           </a:xfrm>
           <a:prstGeom prst="rect">
             <a:avLst/>
           </a:prstGeom>
-          <a:noFill/>
-          <a:extLst>
-            <a:ext uri="{909E8E84-426E-40DD-AFC4-6F175D3DCCD1}">
-              <a14:hiddenFill xmlns:a14="http://schemas.microsoft.com/office/drawing/2010/main">
-                <a:solidFill>
-                  <a:srgbClr val="FFFFFF"/>
-                </a:solidFill>
-              </a14:hiddenFill>
-            </a:ext>
-          </a:extLst>
         </p:spPr>
       </p:pic>
       <p:pic>
         <p:nvPicPr>
-          <p:cNvPr id="2052" name="Picture 4" descr="http://www.inp.nsk.su/products/src/images/rgram-small.jpg"/>
+          <p:cNvPr id="5" name="Рисунок 4"/>
           <p:cNvPicPr>
-            <a:picLocks noChangeAspect="1" noChangeArrowheads="1"/>
+            <a:picLocks noChangeAspect="1"/>
           </p:cNvPicPr>
           <p:nvPr/>
         </p:nvPicPr>
         <p:blipFill>
-          <a:blip r:embed="rId3">
-            <a:extLst>
-              <a:ext uri="{28A0092B-C50C-407E-A947-70E740481C1C}">
-                <a14:useLocalDpi xmlns:a14="http://schemas.microsoft.com/office/drawing/2010/main" val="0"/>
-              </a:ext>
-            </a:extLst>
-          </a:blip>
-          <a:srcRect/>
+          <a:blip r:embed="rId3"/>
           <a:stretch>
             <a:fillRect/>
           </a:stretch>
         </p:blipFill>
-        <p:spPr bwMode="auto">
+        <p:spPr>
           <a:xfrm>
-            <a:off x="4565205" y="1533004"/>
-            <a:ext cx="1190625" cy="3362326"/>
+            <a:off x="6177450" y="2815123"/>
+            <a:ext cx="2009775" cy="1209675"/>
           </a:xfrm>
           <a:prstGeom prst="rect">
             <a:avLst/>
           </a:prstGeom>
-          <a:noFill/>
-          <a:extLst>
-            <a:ext uri="{909E8E84-426E-40DD-AFC4-6F175D3DCCD1}">
-              <a14:hiddenFill xmlns:a14="http://schemas.microsoft.com/office/drawing/2010/main">
-                <a:solidFill>
-                  <a:srgbClr val="FFFFFF"/>
-                </a:solidFill>
-              </a14:hiddenFill>
-            </a:ext>
-          </a:extLst>
         </p:spPr>
       </p:pic>
       <p:sp>
         <p:nvSpPr>
-          <p:cNvPr id="9" name="Объект 2"/>
-          <p:cNvSpPr>
-            <a:spLocks noGrp="1"/>
-          </p:cNvSpPr>
-          <p:nvPr>
-            <p:ph idx="1"/>
-          </p:nvPr>
+          <p:cNvPr id="7" name="Прямоугольник 6"/>
+          <p:cNvSpPr/>
+          <p:nvPr/>
         </p:nvSpPr>
         <p:spPr>
           <a:xfrm>
-            <a:off x="5755830" y="1533004"/>
-            <a:ext cx="4249075" cy="3964734"/>
+            <a:off x="419426" y="4332061"/>
+            <a:ext cx="4887220" cy="646331"/>
           </a:xfrm>
+          <a:prstGeom prst="rect">
+            <a:avLst/>
+          </a:prstGeom>
         </p:spPr>
         <p:txBody>
-          <a:bodyPr/>
-          <a:lstStyle/>
-          <a:p>
-            <a:r>
-              <a:rPr lang="en-US" dirty="0"/>
-              <a:t>detect hidden on the body and clothing the dangerous items, weapon and </a:t>
-            </a:r>
-            <a:r>
-              <a:rPr lang="en-US" dirty="0" smtClean="0"/>
-              <a:t>explosive</a:t>
-            </a:r>
-          </a:p>
-          <a:p>
-            <a:endParaRPr lang="en-US" dirty="0"/>
-          </a:p>
-          <a:p>
-            <a:r>
-              <a:rPr lang="en-US" dirty="0"/>
-              <a:t>ultra-Low dose of X-ray irradiation comparable to the background</a:t>
-            </a:r>
-            <a:endParaRPr lang="en-US" dirty="0" smtClean="0"/>
+          <a:bodyPr wrap="square">
+            <a:spAutoFit/>
+          </a:bodyPr>
+          <a:lstStyle/>
+          <a:p>
+            <a:pPr algn="ctr"/>
+            <a:r>
+              <a:rPr lang="en-US" dirty="0">
+                <a:latin typeface="CMR10"/>
+              </a:rPr>
+              <a:t>for </a:t>
+            </a:r>
+            <a:r>
+              <a:rPr lang="en-US" i="1" dirty="0" err="1">
+                <a:latin typeface="CMMI10"/>
+              </a:rPr>
+              <a:t>i</a:t>
+            </a:r>
+            <a:r>
+              <a:rPr lang="en-US" i="1" dirty="0">
+                <a:latin typeface="CMMI10"/>
+              </a:rPr>
+              <a:t> </a:t>
+            </a:r>
+            <a:r>
+              <a:rPr lang="en-US" dirty="0">
+                <a:latin typeface="CMR10"/>
+              </a:rPr>
+              <a:t>= 1</a:t>
+            </a:r>
+            <a:r>
+              <a:rPr lang="en-US" i="1" dirty="0">
+                <a:latin typeface="CMMI10"/>
+              </a:rPr>
+              <a:t>, . . . , N</a:t>
+            </a:r>
+            <a:r>
+              <a:rPr lang="en-US" dirty="0">
+                <a:latin typeface="CMR10"/>
+              </a:rPr>
+              <a:t>, and where </a:t>
+            </a:r>
+            <a:r>
+              <a:rPr lang="en-US" i="1" dirty="0">
+                <a:latin typeface="CMSY10"/>
+              </a:rPr>
+              <a:t>{</a:t>
+            </a:r>
+            <a:r>
+              <a:rPr lang="en-US" i="1" dirty="0" err="1">
+                <a:latin typeface="CMMI10"/>
+              </a:rPr>
+              <a:t>τ</a:t>
+            </a:r>
+            <a:r>
+              <a:rPr lang="en-US" sz="800" i="1" dirty="0" err="1">
+                <a:latin typeface="CMMI7"/>
+              </a:rPr>
+              <a:t>i</a:t>
+            </a:r>
+            <a:r>
+              <a:rPr lang="en-US" i="1" dirty="0">
+                <a:latin typeface="CMSY10"/>
+              </a:rPr>
+              <a:t>} </a:t>
+            </a:r>
+            <a:r>
+              <a:rPr lang="en-US" dirty="0">
+                <a:latin typeface="CMR10"/>
+              </a:rPr>
+              <a:t>are the cutoff </a:t>
+            </a:r>
+            <a:r>
+              <a:rPr lang="en-US" dirty="0" smtClean="0">
+                <a:latin typeface="CMR10"/>
+              </a:rPr>
+              <a:t>threshold energies</a:t>
+            </a:r>
+            <a:r>
+              <a:rPr lang="en-US" dirty="0">
+                <a:latin typeface="CMR10"/>
+              </a:rPr>
+              <a:t>, with </a:t>
+            </a:r>
+            <a:r>
+              <a:rPr lang="en-US" i="1" dirty="0">
+                <a:latin typeface="CMMI10"/>
+              </a:rPr>
+              <a:t>τ</a:t>
+            </a:r>
+            <a:r>
+              <a:rPr lang="en-US" sz="800" dirty="0">
+                <a:latin typeface="CMR7"/>
+              </a:rPr>
+              <a:t>0 </a:t>
+            </a:r>
+            <a:r>
+              <a:rPr lang="en-US" dirty="0">
+                <a:latin typeface="CMR10"/>
+              </a:rPr>
+              <a:t>= 0 and </a:t>
+            </a:r>
+            <a:r>
+              <a:rPr lang="en-US" i="1" dirty="0" err="1">
+                <a:latin typeface="CMMI10"/>
+              </a:rPr>
+              <a:t>τ</a:t>
+            </a:r>
+            <a:r>
+              <a:rPr lang="en-US" sz="800" i="1" dirty="0" err="1">
+                <a:latin typeface="CMMI7"/>
+              </a:rPr>
+              <a:t>N</a:t>
+            </a:r>
+            <a:r>
+              <a:rPr lang="en-US" sz="800" i="1" dirty="0">
+                <a:latin typeface="CMMI7"/>
+              </a:rPr>
+              <a:t> </a:t>
+            </a:r>
+            <a:r>
+              <a:rPr lang="en-US" dirty="0">
+                <a:latin typeface="CMR10"/>
+              </a:rPr>
+              <a:t>= </a:t>
+            </a:r>
+            <a:r>
+              <a:rPr lang="en-US" i="1" dirty="0">
+                <a:latin typeface="CMMI10"/>
+              </a:rPr>
+              <a:t>M</a:t>
+            </a:r>
+            <a:r>
+              <a:rPr lang="en-US" dirty="0">
+                <a:latin typeface="CMR10"/>
+              </a:rPr>
+              <a:t>.</a:t>
+            </a:r>
+            <a:endParaRPr lang="ru-RU" dirty="0"/>
+          </a:p>
+        </p:txBody>
+      </p:sp>
+      <p:sp>
+        <p:nvSpPr>
+          <p:cNvPr id="8" name="Прямоугольник 7"/>
+          <p:cNvSpPr/>
+          <p:nvPr/>
+        </p:nvSpPr>
+        <p:spPr>
+          <a:xfrm>
+            <a:off x="812801" y="1891335"/>
+            <a:ext cx="3681046" cy="646331"/>
+          </a:xfrm>
+          <a:prstGeom prst="rect">
+            <a:avLst/>
+          </a:prstGeom>
+        </p:spPr>
+        <p:txBody>
+          <a:bodyPr wrap="square">
+            <a:spAutoFit/>
+          </a:bodyPr>
+          <a:lstStyle/>
+          <a:p>
+            <a:pPr algn="ctr"/>
+            <a:r>
+              <a:rPr lang="en-US" dirty="0" smtClean="0">
+                <a:latin typeface="CMR10"/>
+              </a:rPr>
+              <a:t>The number </a:t>
+            </a:r>
+            <a:r>
+              <a:rPr lang="en-US" dirty="0">
+                <a:latin typeface="CMR10"/>
+              </a:rPr>
+              <a:t>of detected counts in bin </a:t>
+            </a:r>
+            <a:r>
+              <a:rPr lang="en-US" i="1" dirty="0" err="1">
+                <a:latin typeface="CMMI10"/>
+              </a:rPr>
+              <a:t>i</a:t>
+            </a:r>
+            <a:endParaRPr lang="ru-RU" dirty="0"/>
+          </a:p>
+        </p:txBody>
+      </p:sp>
+      <p:sp>
+        <p:nvSpPr>
+          <p:cNvPr id="9" name="Прямоугольник 8"/>
+          <p:cNvSpPr/>
+          <p:nvPr/>
+        </p:nvSpPr>
+        <p:spPr>
+          <a:xfrm>
+            <a:off x="4975668" y="1838982"/>
+            <a:ext cx="5262486" cy="646331"/>
+          </a:xfrm>
+          <a:prstGeom prst="rect">
+            <a:avLst/>
+          </a:prstGeom>
+        </p:spPr>
+        <p:txBody>
+          <a:bodyPr wrap="square">
+            <a:spAutoFit/>
+          </a:bodyPr>
+          <a:lstStyle/>
+          <a:p>
+            <a:r>
+              <a:rPr lang="en-US" dirty="0">
+                <a:latin typeface="CMR10"/>
+              </a:rPr>
+              <a:t>Because </a:t>
+            </a:r>
+            <a:r>
+              <a:rPr lang="en-US" i="1" dirty="0">
+                <a:latin typeface="CMMI10"/>
+              </a:rPr>
+              <a:t>d</a:t>
+            </a:r>
+            <a:r>
+              <a:rPr lang="en-US" sz="800" i="1" dirty="0">
+                <a:latin typeface="CMMI7"/>
+              </a:rPr>
+              <a:t>i </a:t>
+            </a:r>
+            <a:r>
+              <a:rPr lang="en-US" dirty="0">
+                <a:latin typeface="CMR10"/>
+              </a:rPr>
+              <a:t>is a sum of Poisson random variables, </a:t>
+            </a:r>
+            <a:endParaRPr lang="en-US" dirty="0" smtClean="0">
+              <a:latin typeface="CMR10"/>
+            </a:endParaRPr>
+          </a:p>
+          <a:p>
+            <a:r>
+              <a:rPr lang="en-US" i="1" dirty="0" smtClean="0">
+                <a:latin typeface="CMMI10"/>
+              </a:rPr>
+              <a:t>d</a:t>
+            </a:r>
+            <a:r>
+              <a:rPr lang="en-US" sz="800" i="1" dirty="0" smtClean="0">
+                <a:latin typeface="CMMI7"/>
+              </a:rPr>
+              <a:t>i </a:t>
+            </a:r>
+            <a:r>
+              <a:rPr lang="en-US" dirty="0">
+                <a:latin typeface="CMR10"/>
+              </a:rPr>
+              <a:t>is itself a Poisson random variable with mean</a:t>
+            </a:r>
+            <a:endParaRPr lang="ru-RU" dirty="0"/>
           </a:p>
         </p:txBody>
       </p:sp>
     </p:spTree>
     <p:extLst>
       <p:ext uri="{BB962C8B-B14F-4D97-AF65-F5344CB8AC3E}">
-        <p14:creationId xmlns:p14="http://schemas.microsoft.com/office/powerpoint/2010/main" val="1696131998"/>
+        <p14:creationId xmlns:p14="http://schemas.microsoft.com/office/powerpoint/2010/main" val="3457124157"/>
       </p:ext>
     </p:extLst>
   </p:cSld>
@@ -7191,139 +7551,114 @@
           <a:p>
             <a:pPr algn="ctr"/>
             <a:r>
+              <a:rPr lang="en-US" dirty="0"/>
+              <a:t>Maximum-Likelihood Estimator for binned </a:t>
+            </a:r>
+            <a:r>
               <a:rPr lang="en-US" dirty="0" smtClean="0"/>
-              <a:t>But progress </a:t>
-            </a:r>
-            <a:r>
-              <a:rPr lang="en-US" dirty="0"/>
-              <a:t>does not stand </a:t>
+              <a:t>data (</a:t>
+            </a:r>
+            <a:r>
+              <a:rPr lang="en-US" b="1" dirty="0"/>
+              <a:t>Estimator Performance</a:t>
             </a:r>
             <a:r>
               <a:rPr lang="en-US" dirty="0" smtClean="0"/>
-              <a:t>still…</a:t>
-            </a:r>
-            <a:endParaRPr lang="ru-RU" dirty="0"/>
+              <a:t>)</a:t>
+            </a:r>
+            <a:endParaRPr lang="en-US" dirty="0"/>
           </a:p>
         </p:txBody>
       </p:sp>
       <p:pic>
         <p:nvPicPr>
-          <p:cNvPr id="3074" name="Picture 2"/>
+          <p:cNvPr id="4" name="Рисунок 3"/>
           <p:cNvPicPr>
-            <a:picLocks noChangeAspect="1" noChangeArrowheads="1"/>
+            <a:picLocks noChangeAspect="1"/>
           </p:cNvPicPr>
           <p:nvPr/>
         </p:nvPicPr>
         <p:blipFill>
-          <a:blip r:embed="rId2">
-            <a:extLst>
-              <a:ext uri="{28A0092B-C50C-407E-A947-70E740481C1C}">
-                <a14:useLocalDpi xmlns:a14="http://schemas.microsoft.com/office/drawing/2010/main" val="0"/>
-              </a:ext>
-            </a:extLst>
-          </a:blip>
-          <a:srcRect/>
+          <a:blip r:embed="rId2"/>
           <a:stretch>
             <a:fillRect/>
           </a:stretch>
         </p:blipFill>
-        <p:spPr bwMode="auto">
+        <p:spPr>
           <a:xfrm>
-            <a:off x="468639" y="1924863"/>
-            <a:ext cx="4223002" cy="2974055"/>
+            <a:off x="677334" y="2149353"/>
+            <a:ext cx="4352925" cy="1152525"/>
           </a:xfrm>
           <a:prstGeom prst="rect">
             <a:avLst/>
           </a:prstGeom>
-          <a:noFill/>
-          <a:ln>
-            <a:noFill/>
-          </a:ln>
-          <a:extLst>
-            <a:ext uri="{909E8E84-426E-40DD-AFC4-6F175D3DCCD1}">
-              <a14:hiddenFill xmlns:a14="http://schemas.microsoft.com/office/drawing/2010/main">
-                <a:solidFill>
-                  <a:schemeClr val="accent1"/>
-                </a:solidFill>
-              </a14:hiddenFill>
-            </a:ext>
-            <a:ext uri="{91240B29-F687-4F45-9708-019B960494DF}">
-              <a14:hiddenLine xmlns:a14="http://schemas.microsoft.com/office/drawing/2010/main" w="9525">
-                <a:solidFill>
-                  <a:schemeClr val="tx1"/>
-                </a:solidFill>
-                <a:miter lim="800000"/>
-                <a:headEnd/>
-                <a:tailEnd/>
-              </a14:hiddenLine>
-            </a:ext>
-          </a:extLst>
         </p:spPr>
       </p:pic>
       <p:pic>
         <p:nvPicPr>
-          <p:cNvPr id="3075" name="Picture 3"/>
+          <p:cNvPr id="5" name="Рисунок 4"/>
           <p:cNvPicPr>
-            <a:picLocks noChangeAspect="1" noChangeArrowheads="1"/>
+            <a:picLocks noChangeAspect="1"/>
           </p:cNvPicPr>
           <p:nvPr/>
         </p:nvPicPr>
         <p:blipFill>
-          <a:blip r:embed="rId3">
-            <a:extLst>
-              <a:ext uri="{28A0092B-C50C-407E-A947-70E740481C1C}">
-                <a14:useLocalDpi xmlns:a14="http://schemas.microsoft.com/office/drawing/2010/main" val="0"/>
-              </a:ext>
-            </a:extLst>
-          </a:blip>
-          <a:srcRect/>
+          <a:blip r:embed="rId3"/>
           <a:stretch>
             <a:fillRect/>
           </a:stretch>
         </p:blipFill>
-        <p:spPr bwMode="auto">
+        <p:spPr>
           <a:xfrm>
-            <a:off x="4965106" y="1901955"/>
-            <a:ext cx="4284736" cy="3019869"/>
+            <a:off x="562662" y="3242652"/>
+            <a:ext cx="6762750" cy="857250"/>
           </a:xfrm>
           <a:prstGeom prst="rect">
             <a:avLst/>
           </a:prstGeom>
-          <a:noFill/>
-          <a:ln>
-            <a:noFill/>
-          </a:ln>
-          <a:extLst>
-            <a:ext uri="{909E8E84-426E-40DD-AFC4-6F175D3DCCD1}">
-              <a14:hiddenFill xmlns:a14="http://schemas.microsoft.com/office/drawing/2010/main">
-                <a:solidFill>
-                  <a:schemeClr val="accent1"/>
-                </a:solidFill>
-              </a14:hiddenFill>
-            </a:ext>
-            <a:ext uri="{91240B29-F687-4F45-9708-019B960494DF}">
-              <a14:hiddenLine xmlns:a14="http://schemas.microsoft.com/office/drawing/2010/main" w="9525">
-                <a:solidFill>
-                  <a:schemeClr val="tx1"/>
-                </a:solidFill>
-                <a:miter lim="800000"/>
-                <a:headEnd/>
-                <a:tailEnd/>
-              </a14:hiddenLine>
-            </a:ext>
-          </a:extLst>
+        </p:spPr>
+      </p:pic>
+      <p:pic>
+        <p:nvPicPr>
+          <p:cNvPr id="6" name="Рисунок 5"/>
+          <p:cNvPicPr>
+            <a:picLocks noChangeAspect="1"/>
+          </p:cNvPicPr>
+          <p:nvPr/>
+        </p:nvPicPr>
+        <p:blipFill>
+          <a:blip r:embed="rId4"/>
+          <a:stretch>
+            <a:fillRect/>
+          </a:stretch>
+        </p:blipFill>
+        <p:spPr>
+          <a:xfrm>
+            <a:off x="387594" y="4288204"/>
+            <a:ext cx="5695950" cy="1123950"/>
+          </a:xfrm>
+          <a:prstGeom prst="rect">
+            <a:avLst/>
+          </a:prstGeom>
         </p:spPr>
       </p:pic>
     </p:spTree>
     <p:extLst>
       <p:ext uri="{BB962C8B-B14F-4D97-AF65-F5344CB8AC3E}">
-        <p14:creationId xmlns:p14="http://schemas.microsoft.com/office/powerpoint/2010/main" val="2251516762"/>
+        <p14:creationId xmlns:p14="http://schemas.microsoft.com/office/powerpoint/2010/main" val="1696131998"/>
       </p:ext>
     </p:extLst>
   </p:cSld>
   <p:clrMapOvr>
     <a:masterClrMapping/>
   </p:clrMapOvr>
+  <p:timing>
+    <p:tnLst>
+      <p:par>
+        <p:cTn id="1" dur="indefinite" restart="never" nodeType="tmRoot"/>
+      </p:par>
+    </p:tnLst>
+  </p:timing>
 </p:sld>
 </file>
 
@@ -7346,7 +7681,7 @@
       </p:grpSpPr>
       <p:sp>
         <p:nvSpPr>
-          <p:cNvPr id="2" name="Заголовок 1"/>
+          <p:cNvPr id="4" name="Заголовок 1"/>
           <p:cNvSpPr>
             <a:spLocks noGrp="1"/>
           </p:cNvSpPr>
@@ -7354,7 +7689,12 @@
             <p:ph type="title"/>
           </p:nvPr>
         </p:nvSpPr>
-        <p:spPr/>
+        <p:spPr>
+          <a:xfrm>
+            <a:off x="677334" y="609600"/>
+            <a:ext cx="8596668" cy="1320800"/>
+          </a:xfrm>
+        </p:spPr>
         <p:txBody>
           <a:bodyPr/>
           <a:lstStyle/>
@@ -7362,44 +7702,245 @@
             <a:pPr algn="ctr"/>
             <a:r>
               <a:rPr lang="en-US" dirty="0"/>
-              <a:t>Concluding Comments</a:t>
-            </a:r>
-            <a:endParaRPr lang="ru-RU" dirty="0"/>
+              <a:t>Maximum-Likelihood Estimator for binned </a:t>
+            </a:r>
+            <a:r>
+              <a:rPr lang="en-US" dirty="0" smtClean="0"/>
+              <a:t>data (</a:t>
+            </a:r>
+            <a:r>
+              <a:rPr lang="en-US" b="1" dirty="0"/>
+              <a:t>Numerical Example</a:t>
+            </a:r>
+            <a:r>
+              <a:rPr lang="en-US" dirty="0" smtClean="0"/>
+              <a:t>)</a:t>
+            </a:r>
+            <a:endParaRPr lang="en-US" dirty="0"/>
           </a:p>
         </p:txBody>
       </p:sp>
       <p:pic>
         <p:nvPicPr>
-          <p:cNvPr id="4" name="Content Placeholder 4"/>
+          <p:cNvPr id="5" name="Рисунок 4"/>
           <p:cNvPicPr>
-            <a:picLocks noGrp="1" noChangeAspect="1"/>
+            <a:picLocks noChangeAspect="1"/>
           </p:cNvPicPr>
-          <p:nvPr>
-            <p:ph sz="half" idx="4294967295"/>
-          </p:nvPr>
+          <p:nvPr/>
         </p:nvPicPr>
         <p:blipFill>
-          <a:blip r:embed="rId2">
-            <a:extLst>
-              <a:ext uri="{28A0092B-C50C-407E-A947-70E740481C1C}">
-                <a14:useLocalDpi xmlns:a14="http://schemas.microsoft.com/office/drawing/2010/main" val="0"/>
-              </a:ext>
-            </a:extLst>
-          </a:blip>
+          <a:blip r:embed="rId2"/>
           <a:stretch>
             <a:fillRect/>
           </a:stretch>
         </p:blipFill>
         <p:spPr>
           <a:xfrm>
-            <a:off x="2918604" y="1397210"/>
-            <a:ext cx="3886200" cy="2914651"/>
+            <a:off x="2594708" y="2226151"/>
+            <a:ext cx="4880829" cy="3834435"/>
           </a:xfrm>
           <a:prstGeom prst="rect">
             <a:avLst/>
           </a:prstGeom>
         </p:spPr>
       </p:pic>
+      <p:sp>
+        <p:nvSpPr>
+          <p:cNvPr id="6" name="Прямоугольник 5"/>
+          <p:cNvSpPr/>
+          <p:nvPr/>
+        </p:nvSpPr>
+        <p:spPr>
+          <a:xfrm>
+            <a:off x="1987122" y="6033171"/>
+            <a:ext cx="6096000" cy="646331"/>
+          </a:xfrm>
+          <a:prstGeom prst="rect">
+            <a:avLst/>
+          </a:prstGeom>
+        </p:spPr>
+        <p:txBody>
+          <a:bodyPr>
+            <a:spAutoFit/>
+          </a:bodyPr>
+          <a:lstStyle/>
+          <a:p>
+            <a:r>
+              <a:rPr lang="en-US" dirty="0">
+                <a:latin typeface="CMR9"/>
+              </a:rPr>
+              <a:t>For two energy bins, the normalized standard deviation of ˆ</a:t>
+            </a:r>
+            <a:r>
+              <a:rPr lang="en-US" i="1" dirty="0" err="1">
+                <a:latin typeface="CMMI9"/>
+              </a:rPr>
+              <a:t>t</a:t>
+            </a:r>
+            <a:r>
+              <a:rPr lang="en-US" sz="800" dirty="0" err="1">
+                <a:latin typeface="CMR6"/>
+              </a:rPr>
+              <a:t>Ca</a:t>
+            </a:r>
+            <a:r>
+              <a:rPr lang="en-US" sz="800" dirty="0">
+                <a:latin typeface="CMR6"/>
+              </a:rPr>
+              <a:t> </a:t>
+            </a:r>
+            <a:r>
+              <a:rPr lang="en-US" dirty="0">
+                <a:latin typeface="CMR9"/>
+              </a:rPr>
+              <a:t>is shown as a function of threshold energy </a:t>
+            </a:r>
+            <a:r>
+              <a:rPr lang="en-US" i="1" dirty="0">
+                <a:latin typeface="CMMI9"/>
+              </a:rPr>
+              <a:t>τ</a:t>
+            </a:r>
+            <a:r>
+              <a:rPr lang="en-US" sz="800" dirty="0">
+                <a:latin typeface="CMR6"/>
+              </a:rPr>
+              <a:t>1</a:t>
+            </a:r>
+            <a:r>
+              <a:rPr lang="en-US" dirty="0">
+                <a:latin typeface="CMR9"/>
+              </a:rPr>
+              <a:t>.</a:t>
+            </a:r>
+            <a:endParaRPr lang="ru-RU" dirty="0"/>
+          </a:p>
+        </p:txBody>
+      </p:sp>
+    </p:spTree>
+    <p:extLst>
+      <p:ext uri="{BB962C8B-B14F-4D97-AF65-F5344CB8AC3E}">
+        <p14:creationId xmlns:p14="http://schemas.microsoft.com/office/powerpoint/2010/main" val="2712811665"/>
+      </p:ext>
+    </p:extLst>
+  </p:cSld>
+  <p:clrMapOvr>
+    <a:masterClrMapping/>
+  </p:clrMapOvr>
+  <p:timing>
+    <p:tnLst>
+      <p:par>
+        <p:cTn id="1" dur="indefinite" restart="never" nodeType="tmRoot"/>
+      </p:par>
+    </p:tnLst>
+  </p:timing>
+</p:sld>
+</file>
+
+<file path=ppt/slides/slide8.xml><?xml version="1.0" encoding="utf-8"?>
+<p:sld xmlns:a="http://schemas.openxmlformats.org/drawingml/2006/main" xmlns:r="http://schemas.openxmlformats.org/officeDocument/2006/relationships" xmlns:p="http://schemas.openxmlformats.org/presentationml/2006/main">
+  <p:cSld>
+    <p:spTree>
+      <p:nvGrpSpPr>
+        <p:cNvPr id="1" name=""/>
+        <p:cNvGrpSpPr/>
+        <p:nvPr/>
+      </p:nvGrpSpPr>
+      <p:grpSpPr>
+        <a:xfrm>
+          <a:off x="0" y="0"/>
+          <a:ext cx="0" cy="0"/>
+          <a:chOff x="0" y="0"/>
+          <a:chExt cx="0" cy="0"/>
+        </a:xfrm>
+      </p:grpSpPr>
+      <p:sp>
+        <p:nvSpPr>
+          <p:cNvPr id="2" name="Заголовок 1"/>
+          <p:cNvSpPr>
+            <a:spLocks noGrp="1"/>
+          </p:cNvSpPr>
+          <p:nvPr>
+            <p:ph type="title"/>
+          </p:nvPr>
+        </p:nvSpPr>
+        <p:spPr/>
+        <p:txBody>
+          <a:bodyPr/>
+          <a:lstStyle/>
+          <a:p>
+            <a:pPr algn="ctr"/>
+            <a:r>
+              <a:rPr lang="en-US" dirty="0"/>
+              <a:t>Conclusion</a:t>
+            </a:r>
+            <a:endParaRPr lang="ru-RU" dirty="0"/>
+          </a:p>
+        </p:txBody>
+      </p:sp>
+      <p:sp>
+        <p:nvSpPr>
+          <p:cNvPr id="5" name="Объект 2"/>
+          <p:cNvSpPr>
+            <a:spLocks noGrp="1"/>
+          </p:cNvSpPr>
+          <p:nvPr>
+            <p:ph idx="1"/>
+          </p:nvPr>
+        </p:nvSpPr>
+        <p:spPr>
+          <a:xfrm>
+            <a:off x="677334" y="2432356"/>
+            <a:ext cx="8596668" cy="1973749"/>
+          </a:xfrm>
+        </p:spPr>
+        <p:txBody>
+          <a:bodyPr>
+            <a:normAutofit/>
+          </a:bodyPr>
+          <a:lstStyle/>
+          <a:p>
+            <a:r>
+              <a:rPr lang="en-US" dirty="0">
+                <a:latin typeface="Arial" panose="020B0604020202020204" pitchFamily="34" charset="0"/>
+                <a:ea typeface="CMR10"/>
+              </a:rPr>
+              <a:t>PCXDs offer a wealth of new information about the object being measured that traditional </a:t>
+            </a:r>
+            <a:r>
+              <a:rPr lang="en-US" dirty="0" smtClean="0">
+                <a:latin typeface="Arial" panose="020B0604020202020204" pitchFamily="34" charset="0"/>
+                <a:ea typeface="CMR10"/>
+              </a:rPr>
+              <a:t>energy </a:t>
+            </a:r>
+            <a:r>
+              <a:rPr lang="en-US" dirty="0">
+                <a:latin typeface="Arial" panose="020B0604020202020204" pitchFamily="34" charset="0"/>
+                <a:ea typeface="CMR10"/>
+              </a:rPr>
+              <a:t>integrating detectors cannot </a:t>
+            </a:r>
+            <a:r>
+              <a:rPr lang="en-US" dirty="0" smtClean="0">
+                <a:latin typeface="Arial" panose="020B0604020202020204" pitchFamily="34" charset="0"/>
+                <a:ea typeface="CMR10"/>
+              </a:rPr>
+              <a:t>assess</a:t>
+            </a:r>
+          </a:p>
+          <a:p>
+            <a:r>
+              <a:rPr lang="en-US" dirty="0"/>
+              <a:t>Their work offers new insight into increasing the precision of material or basis function decomposition.</a:t>
+            </a:r>
+            <a:endParaRPr lang="ru-RU" dirty="0"/>
+          </a:p>
+          <a:p>
+            <a:endParaRPr lang="ru-RU" dirty="0"/>
+          </a:p>
+        </p:txBody>
+      </p:sp>
     </p:spTree>
     <p:extLst>
       <p:ext uri="{BB962C8B-B14F-4D97-AF65-F5344CB8AC3E}">
@@ -7420,7 +7961,7 @@
 </p:sld>
 </file>
 
-<file path=ppt/slides/slide8.xml><?xml version="1.0" encoding="utf-8"?>
+<file path=ppt/slides/slide9.xml><?xml version="1.0" encoding="utf-8"?>
 <p:sld xmlns:a="http://schemas.openxmlformats.org/drawingml/2006/main" xmlns:r="http://schemas.openxmlformats.org/officeDocument/2006/relationships" xmlns:p="http://schemas.openxmlformats.org/presentationml/2006/main">
   <p:cSld>
     <p:spTree>
@@ -7737,7 +8278,7 @@
   <a:extraClrSchemeLst/>
   <a:extLst>
     <a:ext uri="{05A4C25C-085E-4340-85A3-A5531E510DB2}">
-      <thm15:themeFamily xmlns="" xmlns:thm15="http://schemas.microsoft.com/office/thememl/2012/main" name="Facet" id="{C0C680CD-088A-49FC-A102-D699147F32B2}" vid="{CFBC31BA-B70F-4F30-BCAA-4F3011E16C4D}"/>
+      <thm15:themeFamily xmlns:thm15="http://schemas.microsoft.com/office/thememl/2012/main" name="Facet" id="{C0C680CD-088A-49FC-A102-D699147F32B2}" vid="{CFBC31BA-B70F-4F30-BCAA-4F3011E16C4D}"/>
     </a:ext>
   </a:extLst>
 </a:theme>
